--- a/Regex Workshop.pptx
+++ b/Regex Workshop.pptx
@@ -2728,7 +2728,7 @@
           <p:cNvPr id="2" name="Title 1">
             <a:extLst>
               <a:ext uri="{FF2B5EF4-FFF2-40B4-BE49-F238E27FC236}">
-                <a16:creationId xmlns="" xmlns:a16="http://schemas.microsoft.com/office/drawing/2014/main" id="{7DC010DF-92C9-D745-A3CA-6B1713C25B63}"/>
+                <a16:creationId xmlns:a16="http://schemas.microsoft.com/office/drawing/2014/main" xmlns="" id="{7DC010DF-92C9-D745-A3CA-6B1713C25B63}"/>
               </a:ext>
             </a:extLst>
           </p:cNvPr>
@@ -2772,7 +2772,7 @@
           <p:cNvPr id="3" name="Subtitle 2">
             <a:extLst>
               <a:ext uri="{FF2B5EF4-FFF2-40B4-BE49-F238E27FC236}">
-                <a16:creationId xmlns="" xmlns:a16="http://schemas.microsoft.com/office/drawing/2014/main" id="{2CF005DD-11F8-9245-B26B-41D1F4F84416}"/>
+                <a16:creationId xmlns:a16="http://schemas.microsoft.com/office/drawing/2014/main" xmlns="" id="{2CF005DD-11F8-9245-B26B-41D1F4F84416}"/>
               </a:ext>
             </a:extLst>
           </p:cNvPr>
@@ -2849,7 +2849,7 @@
           <p:cNvPr id="7" name="Subtitle 2">
             <a:extLst>
               <a:ext uri="{FF2B5EF4-FFF2-40B4-BE49-F238E27FC236}">
-                <a16:creationId xmlns="" xmlns:a16="http://schemas.microsoft.com/office/drawing/2014/main" id="{7AF7FE24-A452-0441-B567-CCDDCB585D4D}"/>
+                <a16:creationId xmlns:a16="http://schemas.microsoft.com/office/drawing/2014/main" xmlns="" id="{7AF7FE24-A452-0441-B567-CCDDCB585D4D}"/>
               </a:ext>
             </a:extLst>
           </p:cNvPr>
@@ -3098,7 +3098,7 @@
           <p:cNvPr id="11" name="Oval 10">
             <a:extLst>
               <a:ext uri="{FF2B5EF4-FFF2-40B4-BE49-F238E27FC236}">
-                <a16:creationId xmlns="" xmlns:a16="http://schemas.microsoft.com/office/drawing/2014/main" id="{700D70BF-0D78-8947-9B2F-B0F56FF5C8CF}"/>
+                <a16:creationId xmlns:a16="http://schemas.microsoft.com/office/drawing/2014/main" xmlns="" id="{700D70BF-0D78-8947-9B2F-B0F56FF5C8CF}"/>
               </a:ext>
             </a:extLst>
           </p:cNvPr>
@@ -3179,7 +3179,7 @@
           <p:cNvPr id="3" name="Vertical Text Placeholder 2">
             <a:extLst>
               <a:ext uri="{FF2B5EF4-FFF2-40B4-BE49-F238E27FC236}">
-                <a16:creationId xmlns="" xmlns:a16="http://schemas.microsoft.com/office/drawing/2014/main" id="{05561771-F5B0-B740-831B-001696BB1FE6}"/>
+                <a16:creationId xmlns:a16="http://schemas.microsoft.com/office/drawing/2014/main" xmlns="" id="{05561771-F5B0-B740-831B-001696BB1FE6}"/>
               </a:ext>
             </a:extLst>
           </p:cNvPr>
@@ -3273,7 +3273,7 @@
           <p:cNvPr id="9" name="Title 1">
             <a:extLst>
               <a:ext uri="{FF2B5EF4-FFF2-40B4-BE49-F238E27FC236}">
-                <a16:creationId xmlns="" xmlns:a16="http://schemas.microsoft.com/office/drawing/2014/main" id="{478D8594-770D-2F41-980E-F79D6542DB14}"/>
+                <a16:creationId xmlns:a16="http://schemas.microsoft.com/office/drawing/2014/main" xmlns="" id="{478D8594-770D-2F41-980E-F79D6542DB14}"/>
               </a:ext>
             </a:extLst>
           </p:cNvPr>
@@ -3317,7 +3317,7 @@
           <p:cNvPr id="7" name="Subtitle 2">
             <a:extLst>
               <a:ext uri="{FF2B5EF4-FFF2-40B4-BE49-F238E27FC236}">
-                <a16:creationId xmlns="" xmlns:a16="http://schemas.microsoft.com/office/drawing/2014/main" id="{BEA5A1E9-D7B6-5340-947A-1F94DDAB71B4}"/>
+                <a16:creationId xmlns:a16="http://schemas.microsoft.com/office/drawing/2014/main" xmlns="" id="{BEA5A1E9-D7B6-5340-947A-1F94DDAB71B4}"/>
               </a:ext>
             </a:extLst>
           </p:cNvPr>
@@ -3529,7 +3529,7 @@
           <p:cNvPr id="10" name="Slide Number Placeholder 5">
             <a:extLst>
               <a:ext uri="{FF2B5EF4-FFF2-40B4-BE49-F238E27FC236}">
-                <a16:creationId xmlns="" xmlns:a16="http://schemas.microsoft.com/office/drawing/2014/main" id="{12C95B3F-EB60-0C49-B87A-157BB552B1C6}"/>
+                <a16:creationId xmlns:a16="http://schemas.microsoft.com/office/drawing/2014/main" xmlns="" id="{12C95B3F-EB60-0C49-B87A-157BB552B1C6}"/>
               </a:ext>
             </a:extLst>
           </p:cNvPr>
@@ -3626,7 +3626,7 @@
           <p:cNvPr id="10" name="Oval 9">
             <a:extLst>
               <a:ext uri="{FF2B5EF4-FFF2-40B4-BE49-F238E27FC236}">
-                <a16:creationId xmlns="" xmlns:a16="http://schemas.microsoft.com/office/drawing/2014/main" id="{AEA69870-3A9B-2042-8FC4-CF7E21655105}"/>
+                <a16:creationId xmlns:a16="http://schemas.microsoft.com/office/drawing/2014/main" xmlns="" id="{AEA69870-3A9B-2042-8FC4-CF7E21655105}"/>
               </a:ext>
             </a:extLst>
           </p:cNvPr>
@@ -3707,7 +3707,7 @@
           <p:cNvPr id="2" name="Vertical Title 1">
             <a:extLst>
               <a:ext uri="{FF2B5EF4-FFF2-40B4-BE49-F238E27FC236}">
-                <a16:creationId xmlns="" xmlns:a16="http://schemas.microsoft.com/office/drawing/2014/main" id="{3B3286D1-A677-074D-8452-B6E481375AB6}"/>
+                <a16:creationId xmlns:a16="http://schemas.microsoft.com/office/drawing/2014/main" xmlns="" id="{3B3286D1-A677-074D-8452-B6E481375AB6}"/>
               </a:ext>
             </a:extLst>
           </p:cNvPr>
@@ -3751,7 +3751,7 @@
           <p:cNvPr id="3" name="Vertical Text Placeholder 2">
             <a:extLst>
               <a:ext uri="{FF2B5EF4-FFF2-40B4-BE49-F238E27FC236}">
-                <a16:creationId xmlns="" xmlns:a16="http://schemas.microsoft.com/office/drawing/2014/main" id="{DC30B674-98A5-8743-BF78-6CC7D5E7BE50}"/>
+                <a16:creationId xmlns:a16="http://schemas.microsoft.com/office/drawing/2014/main" xmlns="" id="{DC30B674-98A5-8743-BF78-6CC7D5E7BE50}"/>
               </a:ext>
             </a:extLst>
           </p:cNvPr>
@@ -3845,7 +3845,7 @@
           <p:cNvPr id="7" name="Subtitle 2">
             <a:extLst>
               <a:ext uri="{FF2B5EF4-FFF2-40B4-BE49-F238E27FC236}">
-                <a16:creationId xmlns="" xmlns:a16="http://schemas.microsoft.com/office/drawing/2014/main" id="{8A54A282-20C9-4C40-8406-9B5E456F4AAA}"/>
+                <a16:creationId xmlns:a16="http://schemas.microsoft.com/office/drawing/2014/main" xmlns="" id="{8A54A282-20C9-4C40-8406-9B5E456F4AAA}"/>
               </a:ext>
             </a:extLst>
           </p:cNvPr>
@@ -4057,7 +4057,7 @@
           <p:cNvPr id="9" name="Slide Number Placeholder 5">
             <a:extLst>
               <a:ext uri="{FF2B5EF4-FFF2-40B4-BE49-F238E27FC236}">
-                <a16:creationId xmlns="" xmlns:a16="http://schemas.microsoft.com/office/drawing/2014/main" id="{ACE70EE8-DB95-6A41-BCDA-4FD30B1FD4A6}"/>
+                <a16:creationId xmlns:a16="http://schemas.microsoft.com/office/drawing/2014/main" xmlns="" id="{ACE70EE8-DB95-6A41-BCDA-4FD30B1FD4A6}"/>
               </a:ext>
             </a:extLst>
           </p:cNvPr>
@@ -4521,7 +4521,7 @@
           <p:cNvPr id="4" name="Oval 3">
             <a:extLst>
               <a:ext uri="{FF2B5EF4-FFF2-40B4-BE49-F238E27FC236}">
-                <a16:creationId xmlns="" xmlns:a16="http://schemas.microsoft.com/office/drawing/2014/main" id="{13F61CBC-24C3-6947-ADAA-A50B14E242EC}"/>
+                <a16:creationId xmlns:a16="http://schemas.microsoft.com/office/drawing/2014/main" xmlns="" id="{13F61CBC-24C3-6947-ADAA-A50B14E242EC}"/>
               </a:ext>
             </a:extLst>
           </p:cNvPr>
@@ -4602,7 +4602,7 @@
           <p:cNvPr id="2" name="Title 1">
             <a:extLst>
               <a:ext uri="{FF2B5EF4-FFF2-40B4-BE49-F238E27FC236}">
-                <a16:creationId xmlns="" xmlns:a16="http://schemas.microsoft.com/office/drawing/2014/main" id="{34F190F8-0D08-1945-8123-F4A12E3B914A}"/>
+                <a16:creationId xmlns:a16="http://schemas.microsoft.com/office/drawing/2014/main" xmlns="" id="{34F190F8-0D08-1945-8123-F4A12E3B914A}"/>
               </a:ext>
             </a:extLst>
           </p:cNvPr>
@@ -4646,7 +4646,7 @@
           <p:cNvPr id="3" name="Content Placeholder 2">
             <a:extLst>
               <a:ext uri="{FF2B5EF4-FFF2-40B4-BE49-F238E27FC236}">
-                <a16:creationId xmlns="" xmlns:a16="http://schemas.microsoft.com/office/drawing/2014/main" id="{35D0CB7B-8791-AE45-8FD2-E35F039282BC}"/>
+                <a16:creationId xmlns:a16="http://schemas.microsoft.com/office/drawing/2014/main" xmlns="" id="{35D0CB7B-8791-AE45-8FD2-E35F039282BC}"/>
               </a:ext>
             </a:extLst>
           </p:cNvPr>
@@ -4740,7 +4740,7 @@
           <p:cNvPr id="9" name="Subtitle 2">
             <a:extLst>
               <a:ext uri="{FF2B5EF4-FFF2-40B4-BE49-F238E27FC236}">
-                <a16:creationId xmlns="" xmlns:a16="http://schemas.microsoft.com/office/drawing/2014/main" id="{00B9A835-E3AD-6541-8CB7-FBAC3331BF73}"/>
+                <a16:creationId xmlns:a16="http://schemas.microsoft.com/office/drawing/2014/main" xmlns="" id="{00B9A835-E3AD-6541-8CB7-FBAC3331BF73}"/>
               </a:ext>
             </a:extLst>
           </p:cNvPr>
@@ -4952,7 +4952,7 @@
           <p:cNvPr id="7" name="Slide Number Placeholder 5">
             <a:extLst>
               <a:ext uri="{FF2B5EF4-FFF2-40B4-BE49-F238E27FC236}">
-                <a16:creationId xmlns="" xmlns:a16="http://schemas.microsoft.com/office/drawing/2014/main" id="{B4D9FC08-3E1C-014A-BB63-4119EA71EFDC}"/>
+                <a16:creationId xmlns:a16="http://schemas.microsoft.com/office/drawing/2014/main" xmlns="" id="{B4D9FC08-3E1C-014A-BB63-4119EA71EFDC}"/>
               </a:ext>
             </a:extLst>
           </p:cNvPr>
@@ -5049,7 +5049,7 @@
           <p:cNvPr id="10" name="Oval 9">
             <a:extLst>
               <a:ext uri="{FF2B5EF4-FFF2-40B4-BE49-F238E27FC236}">
-                <a16:creationId xmlns="" xmlns:a16="http://schemas.microsoft.com/office/drawing/2014/main" id="{A5821909-D323-1645-A122-4B1ED2F7EBAF}"/>
+                <a16:creationId xmlns:a16="http://schemas.microsoft.com/office/drawing/2014/main" xmlns="" id="{A5821909-D323-1645-A122-4B1ED2F7EBAF}"/>
               </a:ext>
             </a:extLst>
           </p:cNvPr>
@@ -5130,7 +5130,7 @@
           <p:cNvPr id="2" name="Title 1">
             <a:extLst>
               <a:ext uri="{FF2B5EF4-FFF2-40B4-BE49-F238E27FC236}">
-                <a16:creationId xmlns="" xmlns:a16="http://schemas.microsoft.com/office/drawing/2014/main" id="{0CA85CE2-762B-9C4F-B29F-5D8A941A19DD}"/>
+                <a16:creationId xmlns:a16="http://schemas.microsoft.com/office/drawing/2014/main" xmlns="" id="{0CA85CE2-762B-9C4F-B29F-5D8A941A19DD}"/>
               </a:ext>
             </a:extLst>
           </p:cNvPr>
@@ -5174,7 +5174,7 @@
           <p:cNvPr id="3" name="Text Placeholder 2">
             <a:extLst>
               <a:ext uri="{FF2B5EF4-FFF2-40B4-BE49-F238E27FC236}">
-                <a16:creationId xmlns="" xmlns:a16="http://schemas.microsoft.com/office/drawing/2014/main" id="{9B547A7C-2582-B94D-B0CA-CE72B9DC3AC1}"/>
+                <a16:creationId xmlns:a16="http://schemas.microsoft.com/office/drawing/2014/main" xmlns="" id="{9B547A7C-2582-B94D-B0CA-CE72B9DC3AC1}"/>
               </a:ext>
             </a:extLst>
           </p:cNvPr>
@@ -5303,7 +5303,7 @@
           <p:cNvPr id="7" name="Subtitle 2">
             <a:extLst>
               <a:ext uri="{FF2B5EF4-FFF2-40B4-BE49-F238E27FC236}">
-                <a16:creationId xmlns="" xmlns:a16="http://schemas.microsoft.com/office/drawing/2014/main" id="{E759DBA7-AD2A-CA46-AC91-69C8DA7F52E9}"/>
+                <a16:creationId xmlns:a16="http://schemas.microsoft.com/office/drawing/2014/main" xmlns="" id="{E759DBA7-AD2A-CA46-AC91-69C8DA7F52E9}"/>
               </a:ext>
             </a:extLst>
           </p:cNvPr>
@@ -5515,7 +5515,7 @@
           <p:cNvPr id="9" name="Slide Number Placeholder 5">
             <a:extLst>
               <a:ext uri="{FF2B5EF4-FFF2-40B4-BE49-F238E27FC236}">
-                <a16:creationId xmlns="" xmlns:a16="http://schemas.microsoft.com/office/drawing/2014/main" id="{1FE7E3FD-0D9B-0641-BCCC-24D459EE416C}"/>
+                <a16:creationId xmlns:a16="http://schemas.microsoft.com/office/drawing/2014/main" xmlns="" id="{1FE7E3FD-0D9B-0641-BCCC-24D459EE416C}"/>
               </a:ext>
             </a:extLst>
           </p:cNvPr>
@@ -5612,7 +5612,7 @@
           <p:cNvPr id="11" name="Oval 10">
             <a:extLst>
               <a:ext uri="{FF2B5EF4-FFF2-40B4-BE49-F238E27FC236}">
-                <a16:creationId xmlns="" xmlns:a16="http://schemas.microsoft.com/office/drawing/2014/main" id="{80E6DEAE-E822-BC4C-A21C-32FD19CC5920}"/>
+                <a16:creationId xmlns:a16="http://schemas.microsoft.com/office/drawing/2014/main" xmlns="" id="{80E6DEAE-E822-BC4C-A21C-32FD19CC5920}"/>
               </a:ext>
             </a:extLst>
           </p:cNvPr>
@@ -5693,7 +5693,7 @@
           <p:cNvPr id="2" name="Title 1">
             <a:extLst>
               <a:ext uri="{FF2B5EF4-FFF2-40B4-BE49-F238E27FC236}">
-                <a16:creationId xmlns="" xmlns:a16="http://schemas.microsoft.com/office/drawing/2014/main" id="{84D0AD4E-6AB3-214B-A4E4-E20A50DF7520}"/>
+                <a16:creationId xmlns:a16="http://schemas.microsoft.com/office/drawing/2014/main" xmlns="" id="{84D0AD4E-6AB3-214B-A4E4-E20A50DF7520}"/>
               </a:ext>
             </a:extLst>
           </p:cNvPr>
@@ -5737,7 +5737,7 @@
           <p:cNvPr id="3" name="Content Placeholder 2">
             <a:extLst>
               <a:ext uri="{FF2B5EF4-FFF2-40B4-BE49-F238E27FC236}">
-                <a16:creationId xmlns="" xmlns:a16="http://schemas.microsoft.com/office/drawing/2014/main" id="{393BFCDB-AC25-4845-93D8-4FE6A2452AF6}"/>
+                <a16:creationId xmlns:a16="http://schemas.microsoft.com/office/drawing/2014/main" xmlns="" id="{393BFCDB-AC25-4845-93D8-4FE6A2452AF6}"/>
               </a:ext>
             </a:extLst>
           </p:cNvPr>
@@ -5831,7 +5831,7 @@
           <p:cNvPr id="4" name="Content Placeholder 3">
             <a:extLst>
               <a:ext uri="{FF2B5EF4-FFF2-40B4-BE49-F238E27FC236}">
-                <a16:creationId xmlns="" xmlns:a16="http://schemas.microsoft.com/office/drawing/2014/main" id="{F2469439-F6DE-1C4F-BF69-06F3A410960A}"/>
+                <a16:creationId xmlns:a16="http://schemas.microsoft.com/office/drawing/2014/main" xmlns="" id="{F2469439-F6DE-1C4F-BF69-06F3A410960A}"/>
               </a:ext>
             </a:extLst>
           </p:cNvPr>
@@ -5925,7 +5925,7 @@
           <p:cNvPr id="8" name="Subtitle 2">
             <a:extLst>
               <a:ext uri="{FF2B5EF4-FFF2-40B4-BE49-F238E27FC236}">
-                <a16:creationId xmlns="" xmlns:a16="http://schemas.microsoft.com/office/drawing/2014/main" id="{F26EB97A-C08E-BB40-8591-561B47E85442}"/>
+                <a16:creationId xmlns:a16="http://schemas.microsoft.com/office/drawing/2014/main" xmlns="" id="{F26EB97A-C08E-BB40-8591-561B47E85442}"/>
               </a:ext>
             </a:extLst>
           </p:cNvPr>
@@ -6137,7 +6137,7 @@
           <p:cNvPr id="10" name="Slide Number Placeholder 5">
             <a:extLst>
               <a:ext uri="{FF2B5EF4-FFF2-40B4-BE49-F238E27FC236}">
-                <a16:creationId xmlns="" xmlns:a16="http://schemas.microsoft.com/office/drawing/2014/main" id="{D68F7A4D-F81E-A149-B1DA-3297049C7F77}"/>
+                <a16:creationId xmlns:a16="http://schemas.microsoft.com/office/drawing/2014/main" xmlns="" id="{D68F7A4D-F81E-A149-B1DA-3297049C7F77}"/>
               </a:ext>
             </a:extLst>
           </p:cNvPr>
@@ -6234,7 +6234,7 @@
           <p:cNvPr id="14" name="Oval 13">
             <a:extLst>
               <a:ext uri="{FF2B5EF4-FFF2-40B4-BE49-F238E27FC236}">
-                <a16:creationId xmlns="" xmlns:a16="http://schemas.microsoft.com/office/drawing/2014/main" id="{589D3108-C7BC-274D-B353-E84095136186}"/>
+                <a16:creationId xmlns:a16="http://schemas.microsoft.com/office/drawing/2014/main" xmlns="" id="{589D3108-C7BC-274D-B353-E84095136186}"/>
               </a:ext>
             </a:extLst>
           </p:cNvPr>
@@ -6315,7 +6315,7 @@
           <p:cNvPr id="3" name="Text Placeholder 2">
             <a:extLst>
               <a:ext uri="{FF2B5EF4-FFF2-40B4-BE49-F238E27FC236}">
-                <a16:creationId xmlns="" xmlns:a16="http://schemas.microsoft.com/office/drawing/2014/main" id="{6025CCEC-8CE8-A349-8EF6-399A8DC9DAD6}"/>
+                <a16:creationId xmlns:a16="http://schemas.microsoft.com/office/drawing/2014/main" xmlns="" id="{6025CCEC-8CE8-A349-8EF6-399A8DC9DAD6}"/>
               </a:ext>
             </a:extLst>
           </p:cNvPr>
@@ -6393,7 +6393,7 @@
           <p:cNvPr id="4" name="Content Placeholder 3">
             <a:extLst>
               <a:ext uri="{FF2B5EF4-FFF2-40B4-BE49-F238E27FC236}">
-                <a16:creationId xmlns="" xmlns:a16="http://schemas.microsoft.com/office/drawing/2014/main" id="{18B6288D-1486-174E-8027-9566C127ED22}"/>
+                <a16:creationId xmlns:a16="http://schemas.microsoft.com/office/drawing/2014/main" xmlns="" id="{18B6288D-1486-174E-8027-9566C127ED22}"/>
               </a:ext>
             </a:extLst>
           </p:cNvPr>
@@ -6487,7 +6487,7 @@
           <p:cNvPr id="5" name="Text Placeholder 4">
             <a:extLst>
               <a:ext uri="{FF2B5EF4-FFF2-40B4-BE49-F238E27FC236}">
-                <a16:creationId xmlns="" xmlns:a16="http://schemas.microsoft.com/office/drawing/2014/main" id="{95847CF6-9394-5B4B-8220-7B71F29DB861}"/>
+                <a16:creationId xmlns:a16="http://schemas.microsoft.com/office/drawing/2014/main" xmlns="" id="{95847CF6-9394-5B4B-8220-7B71F29DB861}"/>
               </a:ext>
             </a:extLst>
           </p:cNvPr>
@@ -6565,7 +6565,7 @@
           <p:cNvPr id="6" name="Content Placeholder 5">
             <a:extLst>
               <a:ext uri="{FF2B5EF4-FFF2-40B4-BE49-F238E27FC236}">
-                <a16:creationId xmlns="" xmlns:a16="http://schemas.microsoft.com/office/drawing/2014/main" id="{1D0A9809-9CAB-EB48-A314-EFB972167AF3}"/>
+                <a16:creationId xmlns:a16="http://schemas.microsoft.com/office/drawing/2014/main" xmlns="" id="{1D0A9809-9CAB-EB48-A314-EFB972167AF3}"/>
               </a:ext>
             </a:extLst>
           </p:cNvPr>
@@ -6659,7 +6659,7 @@
           <p:cNvPr id="12" name="Title 1">
             <a:extLst>
               <a:ext uri="{FF2B5EF4-FFF2-40B4-BE49-F238E27FC236}">
-                <a16:creationId xmlns="" xmlns:a16="http://schemas.microsoft.com/office/drawing/2014/main" id="{585302A5-2089-074D-816D-EAD2D14CDF96}"/>
+                <a16:creationId xmlns:a16="http://schemas.microsoft.com/office/drawing/2014/main" xmlns="" id="{585302A5-2089-074D-816D-EAD2D14CDF96}"/>
               </a:ext>
             </a:extLst>
           </p:cNvPr>
@@ -6703,7 +6703,7 @@
           <p:cNvPr id="11" name="Subtitle 2">
             <a:extLst>
               <a:ext uri="{FF2B5EF4-FFF2-40B4-BE49-F238E27FC236}">
-                <a16:creationId xmlns="" xmlns:a16="http://schemas.microsoft.com/office/drawing/2014/main" id="{0AD77972-520F-AF4E-8A22-C728C2AC14D8}"/>
+                <a16:creationId xmlns:a16="http://schemas.microsoft.com/office/drawing/2014/main" xmlns="" id="{0AD77972-520F-AF4E-8A22-C728C2AC14D8}"/>
               </a:ext>
             </a:extLst>
           </p:cNvPr>
@@ -6915,7 +6915,7 @@
           <p:cNvPr id="15" name="Slide Number Placeholder 5">
             <a:extLst>
               <a:ext uri="{FF2B5EF4-FFF2-40B4-BE49-F238E27FC236}">
-                <a16:creationId xmlns="" xmlns:a16="http://schemas.microsoft.com/office/drawing/2014/main" id="{F7128189-E823-FD4A-A279-951FF2849591}"/>
+                <a16:creationId xmlns:a16="http://schemas.microsoft.com/office/drawing/2014/main" xmlns="" id="{F7128189-E823-FD4A-A279-951FF2849591}"/>
               </a:ext>
             </a:extLst>
           </p:cNvPr>
@@ -7012,7 +7012,7 @@
           <p:cNvPr id="9" name="Oval 8">
             <a:extLst>
               <a:ext uri="{FF2B5EF4-FFF2-40B4-BE49-F238E27FC236}">
-                <a16:creationId xmlns="" xmlns:a16="http://schemas.microsoft.com/office/drawing/2014/main" id="{ABC21F7E-58FE-D049-ABAE-1389E91681FF}"/>
+                <a16:creationId xmlns:a16="http://schemas.microsoft.com/office/drawing/2014/main" xmlns="" id="{ABC21F7E-58FE-D049-ABAE-1389E91681FF}"/>
               </a:ext>
             </a:extLst>
           </p:cNvPr>
@@ -7093,7 +7093,7 @@
           <p:cNvPr id="8" name="Title 1">
             <a:extLst>
               <a:ext uri="{FF2B5EF4-FFF2-40B4-BE49-F238E27FC236}">
-                <a16:creationId xmlns="" xmlns:a16="http://schemas.microsoft.com/office/drawing/2014/main" id="{F8929614-25E8-7C40-B3D8-97B8D703FBC4}"/>
+                <a16:creationId xmlns:a16="http://schemas.microsoft.com/office/drawing/2014/main" xmlns="" id="{F8929614-25E8-7C40-B3D8-97B8D703FBC4}"/>
               </a:ext>
             </a:extLst>
           </p:cNvPr>
@@ -7137,7 +7137,7 @@
           <p:cNvPr id="6" name="Subtitle 2">
             <a:extLst>
               <a:ext uri="{FF2B5EF4-FFF2-40B4-BE49-F238E27FC236}">
-                <a16:creationId xmlns="" xmlns:a16="http://schemas.microsoft.com/office/drawing/2014/main" id="{FAD1A96F-BCA0-5B44-A660-370961E12B29}"/>
+                <a16:creationId xmlns:a16="http://schemas.microsoft.com/office/drawing/2014/main" xmlns="" id="{FAD1A96F-BCA0-5B44-A660-370961E12B29}"/>
               </a:ext>
             </a:extLst>
           </p:cNvPr>
@@ -7349,7 +7349,7 @@
           <p:cNvPr id="11" name="Slide Number Placeholder 5">
             <a:extLst>
               <a:ext uri="{FF2B5EF4-FFF2-40B4-BE49-F238E27FC236}">
-                <a16:creationId xmlns="" xmlns:a16="http://schemas.microsoft.com/office/drawing/2014/main" id="{6F4ECF1C-F6D1-B840-9427-7010A0FC97F0}"/>
+                <a16:creationId xmlns:a16="http://schemas.microsoft.com/office/drawing/2014/main" xmlns="" id="{6F4ECF1C-F6D1-B840-9427-7010A0FC97F0}"/>
               </a:ext>
             </a:extLst>
           </p:cNvPr>
@@ -7446,7 +7446,7 @@
           <p:cNvPr id="7" name="Oval 6">
             <a:extLst>
               <a:ext uri="{FF2B5EF4-FFF2-40B4-BE49-F238E27FC236}">
-                <a16:creationId xmlns="" xmlns:a16="http://schemas.microsoft.com/office/drawing/2014/main" id="{A660D6C4-DBDA-4A40-8D37-2E8A58676365}"/>
+                <a16:creationId xmlns:a16="http://schemas.microsoft.com/office/drawing/2014/main" xmlns="" id="{A660D6C4-DBDA-4A40-8D37-2E8A58676365}"/>
               </a:ext>
             </a:extLst>
           </p:cNvPr>
@@ -7527,7 +7527,7 @@
           <p:cNvPr id="4" name="Subtitle 2">
             <a:extLst>
               <a:ext uri="{FF2B5EF4-FFF2-40B4-BE49-F238E27FC236}">
-                <a16:creationId xmlns="" xmlns:a16="http://schemas.microsoft.com/office/drawing/2014/main" id="{BF815435-FE2C-3140-AA9C-30F368825C19}"/>
+                <a16:creationId xmlns:a16="http://schemas.microsoft.com/office/drawing/2014/main" xmlns="" id="{BF815435-FE2C-3140-AA9C-30F368825C19}"/>
               </a:ext>
             </a:extLst>
           </p:cNvPr>
@@ -7739,7 +7739,7 @@
           <p:cNvPr id="6" name="Slide Number Placeholder 5">
             <a:extLst>
               <a:ext uri="{FF2B5EF4-FFF2-40B4-BE49-F238E27FC236}">
-                <a16:creationId xmlns="" xmlns:a16="http://schemas.microsoft.com/office/drawing/2014/main" id="{4D619471-527F-3E44-B855-581F21D508CB}"/>
+                <a16:creationId xmlns:a16="http://schemas.microsoft.com/office/drawing/2014/main" xmlns="" id="{4D619471-527F-3E44-B855-581F21D508CB}"/>
               </a:ext>
             </a:extLst>
           </p:cNvPr>
@@ -7835,7 +7835,7 @@
           <p:cNvPr id="11" name="Oval 10">
             <a:extLst>
               <a:ext uri="{FF2B5EF4-FFF2-40B4-BE49-F238E27FC236}">
-                <a16:creationId xmlns="" xmlns:a16="http://schemas.microsoft.com/office/drawing/2014/main" id="{0AA04B89-FAE3-E84F-94AE-DE84F8329BE0}"/>
+                <a16:creationId xmlns:a16="http://schemas.microsoft.com/office/drawing/2014/main" xmlns="" id="{0AA04B89-FAE3-E84F-94AE-DE84F8329BE0}"/>
               </a:ext>
             </a:extLst>
           </p:cNvPr>
@@ -7916,7 +7916,7 @@
           <p:cNvPr id="2" name="Title 1">
             <a:extLst>
               <a:ext uri="{FF2B5EF4-FFF2-40B4-BE49-F238E27FC236}">
-                <a16:creationId xmlns="" xmlns:a16="http://schemas.microsoft.com/office/drawing/2014/main" id="{19A84D10-1CE3-4440-9E21-70C1471000A8}"/>
+                <a16:creationId xmlns:a16="http://schemas.microsoft.com/office/drawing/2014/main" xmlns="" id="{19A84D10-1CE3-4440-9E21-70C1471000A8}"/>
               </a:ext>
             </a:extLst>
           </p:cNvPr>
@@ -7967,7 +7967,7 @@
           <p:cNvPr id="3" name="Content Placeholder 2">
             <a:extLst>
               <a:ext uri="{FF2B5EF4-FFF2-40B4-BE49-F238E27FC236}">
-                <a16:creationId xmlns="" xmlns:a16="http://schemas.microsoft.com/office/drawing/2014/main" id="{55567A0D-A607-2A40-9D63-1E72C786320C}"/>
+                <a16:creationId xmlns:a16="http://schemas.microsoft.com/office/drawing/2014/main" xmlns="" id="{55567A0D-A607-2A40-9D63-1E72C786320C}"/>
               </a:ext>
             </a:extLst>
           </p:cNvPr>
@@ -8063,7 +8063,7 @@
           <p:cNvPr id="4" name="Text Placeholder 3">
             <a:extLst>
               <a:ext uri="{FF2B5EF4-FFF2-40B4-BE49-F238E27FC236}">
-                <a16:creationId xmlns="" xmlns:a16="http://schemas.microsoft.com/office/drawing/2014/main" id="{E9AD4E7A-54D4-6645-A6AF-C4324CC7448E}"/>
+                <a16:creationId xmlns:a16="http://schemas.microsoft.com/office/drawing/2014/main" xmlns="" id="{E9AD4E7A-54D4-6645-A6AF-C4324CC7448E}"/>
               </a:ext>
             </a:extLst>
           </p:cNvPr>
@@ -8139,7 +8139,7 @@
           <p:cNvPr id="8" name="Subtitle 2">
             <a:extLst>
               <a:ext uri="{FF2B5EF4-FFF2-40B4-BE49-F238E27FC236}">
-                <a16:creationId xmlns="" xmlns:a16="http://schemas.microsoft.com/office/drawing/2014/main" id="{4DBA3354-AC19-2F4D-8C9F-CE6BD155BFFD}"/>
+                <a16:creationId xmlns:a16="http://schemas.microsoft.com/office/drawing/2014/main" xmlns="" id="{4DBA3354-AC19-2F4D-8C9F-CE6BD155BFFD}"/>
               </a:ext>
             </a:extLst>
           </p:cNvPr>
@@ -8351,7 +8351,7 @@
           <p:cNvPr id="10" name="Slide Number Placeholder 5">
             <a:extLst>
               <a:ext uri="{FF2B5EF4-FFF2-40B4-BE49-F238E27FC236}">
-                <a16:creationId xmlns="" xmlns:a16="http://schemas.microsoft.com/office/drawing/2014/main" id="{5BA8BE1E-EAD4-D244-9A2E-CDFB0416C12F}"/>
+                <a16:creationId xmlns:a16="http://schemas.microsoft.com/office/drawing/2014/main" xmlns="" id="{5BA8BE1E-EAD4-D244-9A2E-CDFB0416C12F}"/>
               </a:ext>
             </a:extLst>
           </p:cNvPr>
@@ -8448,7 +8448,7 @@
           <p:cNvPr id="13" name="Oval 12">
             <a:extLst>
               <a:ext uri="{FF2B5EF4-FFF2-40B4-BE49-F238E27FC236}">
-                <a16:creationId xmlns="" xmlns:a16="http://schemas.microsoft.com/office/drawing/2014/main" id="{B5043DA6-F6E2-B44B-966E-7681CBC26F69}"/>
+                <a16:creationId xmlns:a16="http://schemas.microsoft.com/office/drawing/2014/main" xmlns="" id="{B5043DA6-F6E2-B44B-966E-7681CBC26F69}"/>
               </a:ext>
             </a:extLst>
           </p:cNvPr>
@@ -8529,7 +8529,7 @@
           <p:cNvPr id="3" name="Picture Placeholder 2">
             <a:extLst>
               <a:ext uri="{FF2B5EF4-FFF2-40B4-BE49-F238E27FC236}">
-                <a16:creationId xmlns="" xmlns:a16="http://schemas.microsoft.com/office/drawing/2014/main" id="{CE919A06-F4CD-CA4A-973D-806981699791}"/>
+                <a16:creationId xmlns:a16="http://schemas.microsoft.com/office/drawing/2014/main" xmlns="" id="{CE919A06-F4CD-CA4A-973D-806981699791}"/>
               </a:ext>
             </a:extLst>
           </p:cNvPr>
@@ -8606,7 +8606,7 @@
           <p:cNvPr id="10" name="Title 1">
             <a:extLst>
               <a:ext uri="{FF2B5EF4-FFF2-40B4-BE49-F238E27FC236}">
-                <a16:creationId xmlns="" xmlns:a16="http://schemas.microsoft.com/office/drawing/2014/main" id="{5E297C46-D278-1B45-850B-6B2A1027B762}"/>
+                <a16:creationId xmlns:a16="http://schemas.microsoft.com/office/drawing/2014/main" xmlns="" id="{5E297C46-D278-1B45-850B-6B2A1027B762}"/>
               </a:ext>
             </a:extLst>
           </p:cNvPr>
@@ -8657,7 +8657,7 @@
           <p:cNvPr id="11" name="Text Placeholder 3">
             <a:extLst>
               <a:ext uri="{FF2B5EF4-FFF2-40B4-BE49-F238E27FC236}">
-                <a16:creationId xmlns="" xmlns:a16="http://schemas.microsoft.com/office/drawing/2014/main" id="{B52E6762-2574-764E-99AC-78507C80B6B2}"/>
+                <a16:creationId xmlns:a16="http://schemas.microsoft.com/office/drawing/2014/main" xmlns="" id="{B52E6762-2574-764E-99AC-78507C80B6B2}"/>
               </a:ext>
             </a:extLst>
           </p:cNvPr>
@@ -8733,7 +8733,7 @@
           <p:cNvPr id="8" name="Subtitle 2">
             <a:extLst>
               <a:ext uri="{FF2B5EF4-FFF2-40B4-BE49-F238E27FC236}">
-                <a16:creationId xmlns="" xmlns:a16="http://schemas.microsoft.com/office/drawing/2014/main" id="{467691D8-A545-3E41-9DD3-01AC9CF7E822}"/>
+                <a16:creationId xmlns:a16="http://schemas.microsoft.com/office/drawing/2014/main" xmlns="" id="{467691D8-A545-3E41-9DD3-01AC9CF7E822}"/>
               </a:ext>
             </a:extLst>
           </p:cNvPr>
@@ -8945,7 +8945,7 @@
           <p:cNvPr id="12" name="Slide Number Placeholder 5">
             <a:extLst>
               <a:ext uri="{FF2B5EF4-FFF2-40B4-BE49-F238E27FC236}">
-                <a16:creationId xmlns="" xmlns:a16="http://schemas.microsoft.com/office/drawing/2014/main" id="{E6321D43-1F48-5D42-9D49-5357435AFAC5}"/>
+                <a16:creationId xmlns:a16="http://schemas.microsoft.com/office/drawing/2014/main" xmlns="" id="{E6321D43-1F48-5D42-9D49-5357435AFAC5}"/>
               </a:ext>
             </a:extLst>
           </p:cNvPr>
@@ -10532,7 +10532,11 @@
             </a:pPr>
             <a:r>
               <a:rPr lang="en-GB" sz="1800" b="1" dirty="0"/>
-              <a:t>Exercise 1 - Article</a:t>
+              <a:t>Exercise 1 </a:t>
+            </a:r>
+            <a:r>
+              <a:rPr lang="en-GB" sz="1800" b="1" dirty="0" smtClean="0"/>
+              <a:t>– Article</a:t>
             </a:r>
             <a:endParaRPr sz="1800" b="1" dirty="0"/>
           </a:p>
@@ -10559,18 +10563,21 @@
           </a:bodyPr>
           <a:lstStyle/>
           <a:p>
-            <a:pPr marL="0" lvl="0" indent="0" algn="l" rtl="0">
+            <a:pPr>
               <a:spcBef>
                 <a:spcPts val="0"/>
               </a:spcBef>
               <a:spcAft>
                 <a:spcPts val="1600"/>
               </a:spcAft>
-              <a:buNone/>
             </a:pPr>
             <a:r>
+              <a:rPr lang="en-GB" dirty="0" smtClean="0"/>
+              <a:t>Identify </a:t>
+            </a:r>
+            <a:r>
               <a:rPr lang="en-GB" dirty="0"/>
-              <a:t>Identify all the adverbs ending in “</a:t>
+              <a:t>all the adverbs ending in “</a:t>
             </a:r>
             <a:r>
               <a:rPr lang="en-GB" dirty="0" err="1"/>
@@ -10579,6 +10586,20 @@
             <a:r>
               <a:rPr lang="en-GB" dirty="0" smtClean="0"/>
               <a:t>”</a:t>
+            </a:r>
+          </a:p>
+          <a:p>
+            <a:pPr>
+              <a:spcBef>
+                <a:spcPts val="0"/>
+              </a:spcBef>
+              <a:spcAft>
+                <a:spcPts val="1600"/>
+              </a:spcAft>
+            </a:pPr>
+            <a:r>
+              <a:rPr lang="en-GB" dirty="0" smtClean="0"/>
+              <a:t>You should get 6 matches</a:t>
             </a:r>
             <a:endParaRPr dirty="0"/>
           </a:p>
@@ -11058,7 +11079,50 @@
           <a:bodyPr/>
           <a:lstStyle/>
           <a:p>
-            <a:endParaRPr lang="en-CA"/>
+            <a:r>
+              <a:rPr lang="en-US" dirty="0" smtClean="0"/>
+              <a:t>From each phone number and </a:t>
+            </a:r>
+            <a:r>
+              <a:rPr lang="en-US" dirty="0" smtClean="0"/>
+              <a:t>with a single “piece” of regex</a:t>
+            </a:r>
+            <a:r>
+              <a:rPr lang="en-US" dirty="0" smtClean="0"/>
+              <a:t>, match the following four groups:</a:t>
+            </a:r>
+          </a:p>
+          <a:p>
+            <a:pPr lvl="1"/>
+            <a:r>
+              <a:rPr lang="en-US" dirty="0" smtClean="0"/>
+              <a:t>Country code (try making this a non-capturing group)</a:t>
+            </a:r>
+          </a:p>
+          <a:p>
+            <a:pPr lvl="1"/>
+            <a:r>
+              <a:rPr lang="en-US" dirty="0" smtClean="0"/>
+              <a:t>Area code</a:t>
+            </a:r>
+          </a:p>
+          <a:p>
+            <a:pPr lvl="1"/>
+            <a:r>
+              <a:rPr lang="en-US" dirty="0" smtClean="0"/>
+              <a:t>First three digits</a:t>
+            </a:r>
+          </a:p>
+          <a:p>
+            <a:pPr lvl="1"/>
+            <a:r>
+              <a:rPr lang="en-US" dirty="0" smtClean="0"/>
+              <a:t>Last four digits</a:t>
+            </a:r>
+          </a:p>
+          <a:p>
+            <a:pPr lvl="1"/>
+            <a:endParaRPr lang="en-CA" dirty="0"/>
           </a:p>
         </p:txBody>
       </p:sp>
@@ -11800,6 +11864,10 @@
           </p:nvPr>
         </p:nvSpPr>
         <p:spPr>
+          <a:xfrm>
+            <a:off x="577279" y="1768233"/>
+            <a:ext cx="7886700" cy="403908"/>
+          </a:xfrm>
           <a:prstGeom prst="rect">
             <a:avLst/>
           </a:prstGeom>
@@ -11810,7 +11878,7 @@
           </a:bodyPr>
           <a:lstStyle/>
           <a:p>
-            <a:pPr marL="0" lvl="0" indent="0" algn="l" rtl="0">
+            <a:pPr marL="0" lvl="0" indent="0" algn="ctr" rtl="0">
               <a:spcBef>
                 <a:spcPts val="0"/>
               </a:spcBef>
@@ -11820,29 +11888,25 @@
               <a:buNone/>
             </a:pPr>
             <a:r>
-              <a:rPr lang="en-GB" sz="1800" b="1" dirty="0"/>
-              <a:t>What kinds of problems can we solve using regex?</a:t>
-            </a:r>
-            <a:endParaRPr sz="1800" b="1" dirty="0"/>
-          </a:p>
-        </p:txBody>
-      </p:sp>
-      <p:sp>
-        <p:nvSpPr>
-          <p:cNvPr id="2" name="Content Placeholder 1"/>
-          <p:cNvSpPr>
-            <a:spLocks noGrp="1"/>
-          </p:cNvSpPr>
-          <p:nvPr>
-            <p:ph idx="1"/>
-          </p:nvPr>
-        </p:nvSpPr>
-        <p:spPr/>
-        <p:txBody>
-          <a:bodyPr/>
-          <a:lstStyle/>
-          <a:p>
-            <a:endParaRPr lang="en-CA"/>
+              <a:rPr lang="en-GB" sz="4400" b="1" dirty="0"/>
+              <a:t>What kinds of problems </a:t>
+            </a:r>
+            <a:r>
+              <a:rPr lang="en-GB" sz="4400" b="1" dirty="0" smtClean="0"/>
+              <a:t/>
+            </a:r>
+            <a:br>
+              <a:rPr lang="en-GB" sz="4400" b="1" dirty="0" smtClean="0"/>
+            </a:br>
+            <a:r>
+              <a:rPr lang="en-GB" sz="4400" b="1" dirty="0" smtClean="0"/>
+              <a:t>can </a:t>
+            </a:r>
+            <a:r>
+              <a:rPr lang="en-GB" sz="4400" b="1" dirty="0"/>
+              <a:t>we solve using regex?</a:t>
+            </a:r>
+            <a:endParaRPr sz="4400" b="1" dirty="0"/>
           </a:p>
         </p:txBody>
       </p:sp>
@@ -12809,7 +12873,7 @@
         </p:nvGraphicFramePr>
         <p:xfrm>
           <a:off x="628650" y="2409835"/>
-          <a:ext cx="7886701" cy="1783050"/>
+          <a:ext cx="7886701" cy="1757275"/>
         </p:xfrm>
         <a:graphic>
           <a:graphicData uri="http://schemas.openxmlformats.org/drawingml/2006/table">
